--- a/documents/[13신창섭160802]졸업작품 제안서 1차수정.pptx
+++ b/documents/[13신창섭160802]졸업작품 제안서 1차수정.pptx
@@ -232,7 +232,7 @@
           <a:p>
             <a:fld id="{ABD44343-005F-DA4E-8CE2-D84E76ABEFED}" type="datetimeFigureOut">
               <a:rPr kumimoji="1" lang="ko-KR" altLang="en-US" smtClean="0"/>
-              <a:t>2016. 8. 8.</a:t>
+              <a:t>2016. 8. 31.</a:t>
             </a:fld>
             <a:endParaRPr kumimoji="1" lang="ko-KR" altLang="en-US"/>
           </a:p>
@@ -631,7 +631,7 @@
           <a:p>
             <a:fld id="{9A7BEA77-FCFD-E34F-8955-12C1E82451E3}" type="datetimeFigureOut">
               <a:rPr kumimoji="1" lang="ko-KR" altLang="en-US" smtClean="0"/>
-              <a:t>2016. 8. 8.</a:t>
+              <a:t>2016. 8. 31.</a:t>
             </a:fld>
             <a:endParaRPr kumimoji="1" lang="ko-KR" altLang="en-US"/>
           </a:p>
@@ -801,7 +801,7 @@
           <a:p>
             <a:fld id="{9A7BEA77-FCFD-E34F-8955-12C1E82451E3}" type="datetimeFigureOut">
               <a:rPr kumimoji="1" lang="ko-KR" altLang="en-US" smtClean="0"/>
-              <a:t>2016. 8. 8.</a:t>
+              <a:t>2016. 8. 31.</a:t>
             </a:fld>
             <a:endParaRPr kumimoji="1" lang="ko-KR" altLang="en-US"/>
           </a:p>
@@ -981,7 +981,7 @@
           <a:p>
             <a:fld id="{9A7BEA77-FCFD-E34F-8955-12C1E82451E3}" type="datetimeFigureOut">
               <a:rPr kumimoji="1" lang="ko-KR" altLang="en-US" smtClean="0"/>
-              <a:t>2016. 8. 8.</a:t>
+              <a:t>2016. 8. 31.</a:t>
             </a:fld>
             <a:endParaRPr kumimoji="1" lang="ko-KR" altLang="en-US"/>
           </a:p>
@@ -1151,7 +1151,7 @@
           <a:p>
             <a:fld id="{9A7BEA77-FCFD-E34F-8955-12C1E82451E3}" type="datetimeFigureOut">
               <a:rPr kumimoji="1" lang="ko-KR" altLang="en-US" smtClean="0"/>
-              <a:t>2016. 8. 8.</a:t>
+              <a:t>2016. 8. 31.</a:t>
             </a:fld>
             <a:endParaRPr kumimoji="1" lang="ko-KR" altLang="en-US"/>
           </a:p>
@@ -1397,7 +1397,7 @@
           <a:p>
             <a:fld id="{9A7BEA77-FCFD-E34F-8955-12C1E82451E3}" type="datetimeFigureOut">
               <a:rPr kumimoji="1" lang="ko-KR" altLang="en-US" smtClean="0"/>
-              <a:t>2016. 8. 8.</a:t>
+              <a:t>2016. 8. 31.</a:t>
             </a:fld>
             <a:endParaRPr kumimoji="1" lang="ko-KR" altLang="en-US"/>
           </a:p>
@@ -1629,7 +1629,7 @@
           <a:p>
             <a:fld id="{9A7BEA77-FCFD-E34F-8955-12C1E82451E3}" type="datetimeFigureOut">
               <a:rPr kumimoji="1" lang="ko-KR" altLang="en-US" smtClean="0"/>
-              <a:t>2016. 8. 8.</a:t>
+              <a:t>2016. 8. 31.</a:t>
             </a:fld>
             <a:endParaRPr kumimoji="1" lang="ko-KR" altLang="en-US"/>
           </a:p>
@@ -1996,7 +1996,7 @@
           <a:p>
             <a:fld id="{9A7BEA77-FCFD-E34F-8955-12C1E82451E3}" type="datetimeFigureOut">
               <a:rPr kumimoji="1" lang="ko-KR" altLang="en-US" smtClean="0"/>
-              <a:t>2016. 8. 8.</a:t>
+              <a:t>2016. 8. 31.</a:t>
             </a:fld>
             <a:endParaRPr kumimoji="1" lang="ko-KR" altLang="en-US"/>
           </a:p>
@@ -2114,7 +2114,7 @@
           <a:p>
             <a:fld id="{9A7BEA77-FCFD-E34F-8955-12C1E82451E3}" type="datetimeFigureOut">
               <a:rPr kumimoji="1" lang="ko-KR" altLang="en-US" smtClean="0"/>
-              <a:t>2016. 8. 8.</a:t>
+              <a:t>2016. 8. 31.</a:t>
             </a:fld>
             <a:endParaRPr kumimoji="1" lang="ko-KR" altLang="en-US"/>
           </a:p>
@@ -2209,7 +2209,7 @@
           <a:p>
             <a:fld id="{9A7BEA77-FCFD-E34F-8955-12C1E82451E3}" type="datetimeFigureOut">
               <a:rPr kumimoji="1" lang="ko-KR" altLang="en-US" smtClean="0"/>
-              <a:t>2016. 8. 8.</a:t>
+              <a:t>2016. 8. 31.</a:t>
             </a:fld>
             <a:endParaRPr kumimoji="1" lang="ko-KR" altLang="en-US"/>
           </a:p>
@@ -2486,7 +2486,7 @@
           <a:p>
             <a:fld id="{9A7BEA77-FCFD-E34F-8955-12C1E82451E3}" type="datetimeFigureOut">
               <a:rPr kumimoji="1" lang="ko-KR" altLang="en-US" smtClean="0"/>
-              <a:t>2016. 8. 8.</a:t>
+              <a:t>2016. 8. 31.</a:t>
             </a:fld>
             <a:endParaRPr kumimoji="1" lang="ko-KR" altLang="en-US"/>
           </a:p>
@@ -2739,7 +2739,7 @@
           <a:p>
             <a:fld id="{9A7BEA77-FCFD-E34F-8955-12C1E82451E3}" type="datetimeFigureOut">
               <a:rPr kumimoji="1" lang="ko-KR" altLang="en-US" smtClean="0"/>
-              <a:t>2016. 8. 8.</a:t>
+              <a:t>2016. 8. 31.</a:t>
             </a:fld>
             <a:endParaRPr kumimoji="1" lang="ko-KR" altLang="en-US"/>
           </a:p>
@@ -2952,7 +2952,7 @@
           <a:p>
             <a:fld id="{9A7BEA77-FCFD-E34F-8955-12C1E82451E3}" type="datetimeFigureOut">
               <a:rPr kumimoji="1" lang="ko-KR" altLang="en-US" smtClean="0"/>
-              <a:t>2016. 8. 8.</a:t>
+              <a:t>2016. 8. 31.</a:t>
             </a:fld>
             <a:endParaRPr kumimoji="1" lang="ko-KR" altLang="en-US"/>
           </a:p>
@@ -9831,7 +9831,7 @@
           <a:p>
             <a:pPr algn="ctr"/>
             <a:r>
-              <a:rPr kumimoji="1" lang="en-US" altLang="ko-KR" sz="3600" b="1" i="1" dirty="0" smtClean="0">
+              <a:rPr kumimoji="1" lang="en-US" altLang="ko-KR" sz="3600" b="1" i="1" smtClean="0">
                 <a:solidFill>
                   <a:srgbClr val="002060"/>
                 </a:solidFill>
@@ -9839,7 +9839,7 @@
                 <a:ea typeface="HeadLineA" charset="-127"/>
                 <a:cs typeface="HeadLineA" charset="-127"/>
               </a:rPr>
-              <a:t>2013184046</a:t>
+              <a:t>2013182046</a:t>
             </a:r>
             <a:endParaRPr kumimoji="1" lang="ko-KR" altLang="en-US" sz="3600" b="1" i="1" dirty="0">
               <a:solidFill>
